--- a/포트폴리오사진.pptx
+++ b/포트폴리오사진.pptx
@@ -6,6 +6,8 @@
   </p:sldMasterIdLst>
   <p:sldIdLst>
     <p:sldId id="256" r:id="rId2"/>
+    <p:sldId id="257" r:id="rId3"/>
+    <p:sldId id="258" r:id="rId4"/>
   </p:sldIdLst>
   <p:sldSz cx="12192000" cy="6858000"/>
   <p:notesSz cx="6858000" cy="9144000"/>
@@ -3323,6 +3325,63 @@
       </p:grpSpPr>
       <p:sp>
         <p:nvSpPr>
+          <p:cNvPr id="15" name="Rounded Rectangle 14">
+            <a:extLst>
+              <a:ext uri="{FF2B5EF4-FFF2-40B4-BE49-F238E27FC236}">
+                <a16:creationId xmlns:a16="http://schemas.microsoft.com/office/drawing/2014/main" id="{293CEEA4-6684-4A45-F853-960AA2A97163}"/>
+              </a:ext>
+            </a:extLst>
+          </p:cNvPr>
+          <p:cNvSpPr/>
+          <p:nvPr/>
+        </p:nvSpPr>
+        <p:spPr>
+          <a:xfrm>
+            <a:off x="3550973" y="1468867"/>
+            <a:ext cx="5306700" cy="1403017"/>
+          </a:xfrm>
+          <a:prstGeom prst="roundRect">
+            <a:avLst/>
+          </a:prstGeom>
+          <a:solidFill>
+            <a:srgbClr val="F7F7F7"/>
+          </a:solidFill>
+          <a:ln w="57150">
+            <a:solidFill>
+              <a:schemeClr val="tx1">
+                <a:lumMod val="65000"/>
+                <a:lumOff val="35000"/>
+              </a:schemeClr>
+            </a:solidFill>
+          </a:ln>
+        </p:spPr>
+        <p:style>
+          <a:lnRef idx="2">
+            <a:schemeClr val="accent1">
+              <a:shade val="15000"/>
+            </a:schemeClr>
+          </a:lnRef>
+          <a:fillRef idx="1">
+            <a:schemeClr val="accent1"/>
+          </a:fillRef>
+          <a:effectRef idx="0">
+            <a:schemeClr val="accent1"/>
+          </a:effectRef>
+          <a:fontRef idx="minor">
+            <a:schemeClr val="lt1"/>
+          </a:fontRef>
+        </p:style>
+        <p:txBody>
+          <a:bodyPr rtlCol="0" anchor="ctr"/>
+          <a:lstStyle/>
+          <a:p>
+            <a:pPr algn="ctr"/>
+            <a:endParaRPr lang="en-US"/>
+          </a:p>
+        </p:txBody>
+      </p:sp>
+      <p:sp>
+        <p:nvSpPr>
           <p:cNvPr id="4" name="AutoShape 2">
             <a:extLst>
               <a:ext uri="{FF2B5EF4-FFF2-40B4-BE49-F238E27FC236}">
@@ -3388,8 +3447,8 @@
         </p:blipFill>
         <p:spPr>
           <a:xfrm>
-            <a:off x="3550973" y="2871884"/>
-            <a:ext cx="5394854" cy="3793748"/>
+            <a:off x="3550973" y="2988284"/>
+            <a:ext cx="5394854" cy="3677347"/>
           </a:xfrm>
           <a:prstGeom prst="rect">
             <a:avLst/>
@@ -3418,8 +3477,8 @@
         </p:blipFill>
         <p:spPr>
           <a:xfrm>
-            <a:off x="6016443" y="2085072"/>
-            <a:ext cx="848204" cy="640683"/>
+            <a:off x="6459277" y="2140818"/>
+            <a:ext cx="674966" cy="509829"/>
           </a:xfrm>
           <a:prstGeom prst="rect">
             <a:avLst/>
@@ -3448,8 +3507,8 @@
         </p:blipFill>
         <p:spPr>
           <a:xfrm>
-            <a:off x="3838647" y="1468867"/>
-            <a:ext cx="1085664" cy="551934"/>
+            <a:off x="4301241" y="1585805"/>
+            <a:ext cx="863926" cy="439206"/>
           </a:xfrm>
           <a:prstGeom prst="rect">
             <a:avLst/>
@@ -3478,8 +3537,8 @@
         </p:blipFill>
         <p:spPr>
           <a:xfrm>
-            <a:off x="4647369" y="2110847"/>
-            <a:ext cx="1085356" cy="586244"/>
+            <a:off x="5079918" y="2193564"/>
+            <a:ext cx="863682" cy="466509"/>
           </a:xfrm>
           <a:prstGeom prst="rect">
             <a:avLst/>
@@ -3508,8 +3567,8 @@
         </p:blipFill>
         <p:spPr>
           <a:xfrm>
-            <a:off x="5185741" y="1430058"/>
-            <a:ext cx="1515718" cy="551934"/>
+            <a:off x="5658502" y="1551475"/>
+            <a:ext cx="1206145" cy="439206"/>
           </a:xfrm>
           <a:prstGeom prst="rect">
             <a:avLst/>
@@ -3538,8 +3597,8 @@
         </p:blipFill>
         <p:spPr>
           <a:xfrm>
-            <a:off x="7166351" y="2072262"/>
-            <a:ext cx="1483608" cy="653494"/>
+            <a:off x="7469363" y="2146153"/>
+            <a:ext cx="1180595" cy="520024"/>
           </a:xfrm>
           <a:prstGeom prst="rect">
             <a:avLst/>
@@ -3568,8 +3627,8 @@
         </p:blipFill>
         <p:spPr>
           <a:xfrm>
-            <a:off x="6864647" y="1511377"/>
-            <a:ext cx="1420547" cy="551934"/>
+            <a:off x="7357982" y="1587907"/>
+            <a:ext cx="1130412" cy="439206"/>
           </a:xfrm>
           <a:prstGeom prst="rect">
             <a:avLst/>
@@ -3598,8 +3657,8 @@
         </p:blipFill>
         <p:spPr>
           <a:xfrm>
-            <a:off x="3550973" y="2093865"/>
-            <a:ext cx="848204" cy="618676"/>
+            <a:off x="3963758" y="2173889"/>
+            <a:ext cx="674966" cy="492317"/>
           </a:xfrm>
           <a:prstGeom prst="rect">
             <a:avLst/>
@@ -3652,6 +3711,876 @@
     <p:extLst>
       <p:ext uri="{BB962C8B-B14F-4D97-AF65-F5344CB8AC3E}">
         <p14:creationId xmlns:p14="http://schemas.microsoft.com/office/powerpoint/2010/main" val="384584670"/>
+      </p:ext>
+    </p:extLst>
+  </p:cSld>
+  <p:clrMapOvr>
+    <a:masterClrMapping/>
+  </p:clrMapOvr>
+</p:sld>
+</file>
+
+<file path=ppt/slides/slide2.xml><?xml version="1.0" encoding="utf-8"?>
+<p:sld xmlns:a="http://schemas.openxmlformats.org/drawingml/2006/main" xmlns:r="http://schemas.openxmlformats.org/officeDocument/2006/relationships" xmlns:p="http://schemas.openxmlformats.org/presentationml/2006/main">
+  <p:cSld>
+    <p:spTree>
+      <p:nvGrpSpPr>
+        <p:cNvPr id="1" name="">
+          <a:extLst>
+            <a:ext uri="{FF2B5EF4-FFF2-40B4-BE49-F238E27FC236}">
+              <a16:creationId xmlns:a16="http://schemas.microsoft.com/office/drawing/2014/main" id="{680E21BD-2ECC-1D7D-4438-A5D7650F0539}"/>
+            </a:ext>
+          </a:extLst>
+        </p:cNvPr>
+        <p:cNvGrpSpPr/>
+        <p:nvPr/>
+      </p:nvGrpSpPr>
+      <p:grpSpPr>
+        <a:xfrm>
+          <a:off x="0" y="0"/>
+          <a:ext cx="0" cy="0"/>
+          <a:chOff x="0" y="0"/>
+          <a:chExt cx="0" cy="0"/>
+        </a:xfrm>
+      </p:grpSpPr>
+      <p:sp>
+        <p:nvSpPr>
+          <p:cNvPr id="15" name="Rounded Rectangle 14">
+            <a:extLst>
+              <a:ext uri="{FF2B5EF4-FFF2-40B4-BE49-F238E27FC236}">
+                <a16:creationId xmlns:a16="http://schemas.microsoft.com/office/drawing/2014/main" id="{D5F0FAD2-4A0A-4D8A-460D-0536B589A90B}"/>
+              </a:ext>
+            </a:extLst>
+          </p:cNvPr>
+          <p:cNvSpPr/>
+          <p:nvPr/>
+        </p:nvSpPr>
+        <p:spPr>
+          <a:xfrm>
+            <a:off x="3550973" y="1468867"/>
+            <a:ext cx="5306700" cy="1403017"/>
+          </a:xfrm>
+          <a:prstGeom prst="roundRect">
+            <a:avLst/>
+          </a:prstGeom>
+          <a:solidFill>
+            <a:srgbClr val="F7F7F7"/>
+          </a:solidFill>
+          <a:ln w="57150">
+            <a:solidFill>
+              <a:schemeClr val="tx1">
+                <a:lumMod val="65000"/>
+                <a:lumOff val="35000"/>
+              </a:schemeClr>
+            </a:solidFill>
+          </a:ln>
+        </p:spPr>
+        <p:style>
+          <a:lnRef idx="2">
+            <a:schemeClr val="accent1">
+              <a:shade val="15000"/>
+            </a:schemeClr>
+          </a:lnRef>
+          <a:fillRef idx="1">
+            <a:schemeClr val="accent1"/>
+          </a:fillRef>
+          <a:effectRef idx="0">
+            <a:schemeClr val="accent1"/>
+          </a:effectRef>
+          <a:fontRef idx="minor">
+            <a:schemeClr val="lt1"/>
+          </a:fontRef>
+        </p:style>
+        <p:txBody>
+          <a:bodyPr rtlCol="0" anchor="ctr"/>
+          <a:lstStyle/>
+          <a:p>
+            <a:pPr algn="ctr"/>
+            <a:endParaRPr lang="en-US"/>
+          </a:p>
+        </p:txBody>
+      </p:sp>
+      <p:sp>
+        <p:nvSpPr>
+          <p:cNvPr id="4" name="AutoShape 2">
+            <a:extLst>
+              <a:ext uri="{FF2B5EF4-FFF2-40B4-BE49-F238E27FC236}">
+                <a16:creationId xmlns:a16="http://schemas.microsoft.com/office/drawing/2014/main" id="{A5F3826E-2A80-B928-F80D-860159B9E32E}"/>
+              </a:ext>
+            </a:extLst>
+          </p:cNvPr>
+          <p:cNvSpPr>
+            <a:spLocks noChangeAspect="1" noChangeArrowheads="1"/>
+          </p:cNvSpPr>
+          <p:nvPr/>
+        </p:nvSpPr>
+        <p:spPr bwMode="auto">
+          <a:xfrm>
+            <a:off x="5943600" y="3276600"/>
+            <a:ext cx="304800" cy="304800"/>
+          </a:xfrm>
+          <a:prstGeom prst="rect">
+            <a:avLst/>
+          </a:prstGeom>
+          <a:noFill/>
+          <a:extLst>
+            <a:ext uri="{909E8E84-426E-40DD-AFC4-6F175D3DCCD1}">
+              <a14:hiddenFill xmlns:a14="http://schemas.microsoft.com/office/drawing/2010/main">
+                <a:solidFill>
+                  <a:srgbClr val="FFFFFF"/>
+                </a:solidFill>
+              </a14:hiddenFill>
+            </a:ext>
+          </a:extLst>
+        </p:spPr>
+        <p:txBody>
+          <a:bodyPr vert="horz" wrap="square" lIns="91440" tIns="45720" rIns="91440" bIns="45720" numCol="1" anchor="t" anchorCtr="0" compatLnSpc="1">
+            <a:prstTxWarp prst="textNoShape">
+              <a:avLst/>
+            </a:prstTxWarp>
+          </a:bodyPr>
+          <a:lstStyle/>
+          <a:p>
+            <a:endParaRPr lang="en-US"/>
+          </a:p>
+        </p:txBody>
+      </p:sp>
+      <p:pic>
+        <p:nvPicPr>
+          <p:cNvPr id="7" name="Picture 6">
+            <a:extLst>
+              <a:ext uri="{FF2B5EF4-FFF2-40B4-BE49-F238E27FC236}">
+                <a16:creationId xmlns:a16="http://schemas.microsoft.com/office/drawing/2014/main" id="{EF19292D-5847-7610-1D53-021F868EFA3D}"/>
+              </a:ext>
+            </a:extLst>
+          </p:cNvPr>
+          <p:cNvPicPr>
+            <a:picLocks noChangeAspect="1"/>
+          </p:cNvPicPr>
+          <p:nvPr/>
+        </p:nvPicPr>
+        <p:blipFill>
+          <a:blip r:embed="rId2"/>
+          <a:stretch>
+            <a:fillRect/>
+          </a:stretch>
+        </p:blipFill>
+        <p:spPr>
+          <a:xfrm>
+            <a:off x="6335517" y="2181677"/>
+            <a:ext cx="736844" cy="556568"/>
+          </a:xfrm>
+          <a:prstGeom prst="rect">
+            <a:avLst/>
+          </a:prstGeom>
+        </p:spPr>
+      </p:pic>
+      <p:pic>
+        <p:nvPicPr>
+          <p:cNvPr id="8" name="Picture 7">
+            <a:extLst>
+              <a:ext uri="{FF2B5EF4-FFF2-40B4-BE49-F238E27FC236}">
+                <a16:creationId xmlns:a16="http://schemas.microsoft.com/office/drawing/2014/main" id="{4C4BEED9-6C8B-1855-E142-C01EAAAF4E30}"/>
+              </a:ext>
+            </a:extLst>
+          </p:cNvPr>
+          <p:cNvPicPr>
+            <a:picLocks noChangeAspect="1"/>
+          </p:cNvPicPr>
+          <p:nvPr/>
+        </p:nvPicPr>
+        <p:blipFill>
+          <a:blip r:embed="rId3"/>
+          <a:stretch>
+            <a:fillRect/>
+          </a:stretch>
+        </p:blipFill>
+        <p:spPr>
+          <a:xfrm>
+            <a:off x="5196511" y="1538675"/>
+            <a:ext cx="943128" cy="479471"/>
+          </a:xfrm>
+          <a:prstGeom prst="rect">
+            <a:avLst/>
+          </a:prstGeom>
+        </p:spPr>
+      </p:pic>
+      <p:pic>
+        <p:nvPicPr>
+          <p:cNvPr id="9" name="Picture 8">
+            <a:extLst>
+              <a:ext uri="{FF2B5EF4-FFF2-40B4-BE49-F238E27FC236}">
+                <a16:creationId xmlns:a16="http://schemas.microsoft.com/office/drawing/2014/main" id="{A8A1E694-B58E-4911-72FA-BAC57DF84470}"/>
+              </a:ext>
+            </a:extLst>
+          </p:cNvPr>
+          <p:cNvPicPr>
+            <a:picLocks noChangeAspect="1"/>
+          </p:cNvPicPr>
+          <p:nvPr/>
+        </p:nvPicPr>
+        <p:blipFill>
+          <a:blip r:embed="rId4"/>
+          <a:stretch>
+            <a:fillRect/>
+          </a:stretch>
+        </p:blipFill>
+        <p:spPr>
+          <a:xfrm>
+            <a:off x="4997579" y="2207451"/>
+            <a:ext cx="942860" cy="509276"/>
+          </a:xfrm>
+          <a:prstGeom prst="rect">
+            <a:avLst/>
+          </a:prstGeom>
+        </p:spPr>
+      </p:pic>
+      <p:pic>
+        <p:nvPicPr>
+          <p:cNvPr id="10" name="Picture 9">
+            <a:extLst>
+              <a:ext uri="{FF2B5EF4-FFF2-40B4-BE49-F238E27FC236}">
+                <a16:creationId xmlns:a16="http://schemas.microsoft.com/office/drawing/2014/main" id="{8DD64B49-4EF5-63FF-75DF-13EBC4D4D93F}"/>
+              </a:ext>
+            </a:extLst>
+          </p:cNvPr>
+          <p:cNvPicPr>
+            <a:picLocks noChangeAspect="1"/>
+          </p:cNvPicPr>
+          <p:nvPr/>
+        </p:nvPicPr>
+        <p:blipFill>
+          <a:blip r:embed="rId5"/>
+          <a:stretch>
+            <a:fillRect/>
+          </a:stretch>
+        </p:blipFill>
+        <p:spPr>
+          <a:xfrm>
+            <a:off x="6388629" y="1532698"/>
+            <a:ext cx="1088270" cy="479471"/>
+          </a:xfrm>
+          <a:prstGeom prst="rect">
+            <a:avLst/>
+          </a:prstGeom>
+        </p:spPr>
+      </p:pic>
+      <p:pic>
+        <p:nvPicPr>
+          <p:cNvPr id="11" name="Picture 10">
+            <a:extLst>
+              <a:ext uri="{FF2B5EF4-FFF2-40B4-BE49-F238E27FC236}">
+                <a16:creationId xmlns:a16="http://schemas.microsoft.com/office/drawing/2014/main" id="{8BE663A6-D7EB-CC48-7BDD-127C994184BE}"/>
+              </a:ext>
+            </a:extLst>
+          </p:cNvPr>
+          <p:cNvPicPr>
+            <a:picLocks noChangeAspect="1"/>
+          </p:cNvPicPr>
+          <p:nvPr/>
+        </p:nvPicPr>
+        <p:blipFill>
+          <a:blip r:embed="rId6"/>
+          <a:stretch>
+            <a:fillRect/>
+          </a:stretch>
+        </p:blipFill>
+        <p:spPr>
+          <a:xfrm>
+            <a:off x="7504194" y="2168866"/>
+            <a:ext cx="1288826" cy="567697"/>
+          </a:xfrm>
+          <a:prstGeom prst="rect">
+            <a:avLst/>
+          </a:prstGeom>
+        </p:spPr>
+      </p:pic>
+      <p:pic>
+        <p:nvPicPr>
+          <p:cNvPr id="12" name="Picture 11">
+            <a:extLst>
+              <a:ext uri="{FF2B5EF4-FFF2-40B4-BE49-F238E27FC236}">
+                <a16:creationId xmlns:a16="http://schemas.microsoft.com/office/drawing/2014/main" id="{67837DE7-EB2E-0346-C90A-023DB6C16221}"/>
+              </a:ext>
+            </a:extLst>
+          </p:cNvPr>
+          <p:cNvPicPr>
+            <a:picLocks noChangeAspect="1"/>
+          </p:cNvPicPr>
+          <p:nvPr/>
+        </p:nvPicPr>
+        <p:blipFill>
+          <a:blip r:embed="rId7"/>
+          <a:stretch>
+            <a:fillRect/>
+          </a:stretch>
+        </p:blipFill>
+        <p:spPr>
+          <a:xfrm>
+            <a:off x="7651162" y="1570197"/>
+            <a:ext cx="1088270" cy="479471"/>
+          </a:xfrm>
+          <a:prstGeom prst="rect">
+            <a:avLst/>
+          </a:prstGeom>
+        </p:spPr>
+      </p:pic>
+      <p:sp>
+        <p:nvSpPr>
+          <p:cNvPr id="14" name="TextBox 13">
+            <a:extLst>
+              <a:ext uri="{FF2B5EF4-FFF2-40B4-BE49-F238E27FC236}">
+                <a16:creationId xmlns:a16="http://schemas.microsoft.com/office/drawing/2014/main" id="{59F8D0E1-30E6-E57A-ADF2-2F71CF8CCD83}"/>
+              </a:ext>
+            </a:extLst>
+          </p:cNvPr>
+          <p:cNvSpPr txBox="1"/>
+          <p:nvPr/>
+        </p:nvSpPr>
+        <p:spPr>
+          <a:xfrm>
+            <a:off x="3016656" y="544269"/>
+            <a:ext cx="6245966" cy="769441"/>
+          </a:xfrm>
+          <a:prstGeom prst="rect">
+            <a:avLst/>
+          </a:prstGeom>
+          <a:noFill/>
+        </p:spPr>
+        <p:txBody>
+          <a:bodyPr wrap="square" rtlCol="0">
+            <a:spAutoFit/>
+          </a:bodyPr>
+          <a:lstStyle/>
+          <a:p>
+            <a:pPr algn="ctr"/>
+            <a:r>
+              <a:rPr lang="en-US" sz="4400" b="1" dirty="0">
+                <a:solidFill>
+                  <a:schemeClr val="bg1">
+                    <a:lumMod val="50000"/>
+                  </a:schemeClr>
+                </a:solidFill>
+              </a:rPr>
+              <a:t>RealTime User Behavior </a:t>
+            </a:r>
+          </a:p>
+        </p:txBody>
+      </p:sp>
+      <p:pic>
+        <p:nvPicPr>
+          <p:cNvPr id="2" name="Picture 1">
+            <a:extLst>
+              <a:ext uri="{FF2B5EF4-FFF2-40B4-BE49-F238E27FC236}">
+                <a16:creationId xmlns:a16="http://schemas.microsoft.com/office/drawing/2014/main" id="{1CED0405-D121-6674-5134-F1719DBB1F9E}"/>
+              </a:ext>
+            </a:extLst>
+          </p:cNvPr>
+          <p:cNvPicPr>
+            <a:picLocks noChangeAspect="1"/>
+          </p:cNvPicPr>
+          <p:nvPr/>
+        </p:nvPicPr>
+        <p:blipFill>
+          <a:blip r:embed="rId8"/>
+          <a:stretch>
+            <a:fillRect/>
+          </a:stretch>
+        </p:blipFill>
+        <p:spPr>
+          <a:xfrm>
+            <a:off x="3550973" y="2998026"/>
+            <a:ext cx="5306700" cy="3593327"/>
+          </a:xfrm>
+          <a:prstGeom prst="rect">
+            <a:avLst/>
+          </a:prstGeom>
+        </p:spPr>
+      </p:pic>
+      <p:pic>
+        <p:nvPicPr>
+          <p:cNvPr id="3" name="Picture 2">
+            <a:extLst>
+              <a:ext uri="{FF2B5EF4-FFF2-40B4-BE49-F238E27FC236}">
+                <a16:creationId xmlns:a16="http://schemas.microsoft.com/office/drawing/2014/main" id="{B9F52D9D-E96D-2876-018B-E98DF7DFEF57}"/>
+              </a:ext>
+            </a:extLst>
+          </p:cNvPr>
+          <p:cNvPicPr>
+            <a:picLocks noChangeAspect="1"/>
+          </p:cNvPicPr>
+          <p:nvPr/>
+        </p:nvPicPr>
+        <p:blipFill>
+          <a:blip r:embed="rId9"/>
+          <a:stretch>
+            <a:fillRect/>
+          </a:stretch>
+        </p:blipFill>
+        <p:spPr>
+          <a:xfrm>
+            <a:off x="3805352" y="2207452"/>
+            <a:ext cx="841758" cy="567697"/>
+          </a:xfrm>
+          <a:prstGeom prst="rect">
+            <a:avLst/>
+          </a:prstGeom>
+        </p:spPr>
+      </p:pic>
+      <p:pic>
+        <p:nvPicPr>
+          <p:cNvPr id="6" name="Picture 5">
+            <a:extLst>
+              <a:ext uri="{FF2B5EF4-FFF2-40B4-BE49-F238E27FC236}">
+                <a16:creationId xmlns:a16="http://schemas.microsoft.com/office/drawing/2014/main" id="{BFC82D9D-2F0A-AC89-13E9-CAF91059BE38}"/>
+              </a:ext>
+            </a:extLst>
+          </p:cNvPr>
+          <p:cNvPicPr>
+            <a:picLocks noChangeAspect="1"/>
+          </p:cNvPicPr>
+          <p:nvPr/>
+        </p:nvPicPr>
+        <p:blipFill>
+          <a:blip r:embed="rId10"/>
+          <a:stretch>
+            <a:fillRect/>
+          </a:stretch>
+        </p:blipFill>
+        <p:spPr>
+          <a:xfrm>
+            <a:off x="3779756" y="1590582"/>
+            <a:ext cx="1093045" cy="434379"/>
+          </a:xfrm>
+          <a:prstGeom prst="rect">
+            <a:avLst/>
+          </a:prstGeom>
+        </p:spPr>
+      </p:pic>
+    </p:spTree>
+    <p:extLst>
+      <p:ext uri="{BB962C8B-B14F-4D97-AF65-F5344CB8AC3E}">
+        <p14:creationId xmlns:p14="http://schemas.microsoft.com/office/powerpoint/2010/main" val="1799092754"/>
+      </p:ext>
+    </p:extLst>
+  </p:cSld>
+  <p:clrMapOvr>
+    <a:masterClrMapping/>
+  </p:clrMapOvr>
+</p:sld>
+</file>
+
+<file path=ppt/slides/slide3.xml><?xml version="1.0" encoding="utf-8"?>
+<p:sld xmlns:a="http://schemas.openxmlformats.org/drawingml/2006/main" xmlns:r="http://schemas.openxmlformats.org/officeDocument/2006/relationships" xmlns:p="http://schemas.openxmlformats.org/presentationml/2006/main">
+  <p:cSld>
+    <p:spTree>
+      <p:nvGrpSpPr>
+        <p:cNvPr id="1" name="">
+          <a:extLst>
+            <a:ext uri="{FF2B5EF4-FFF2-40B4-BE49-F238E27FC236}">
+              <a16:creationId xmlns:a16="http://schemas.microsoft.com/office/drawing/2014/main" id="{7C1DDEFD-9059-4DEF-03EB-0EA4F8C855B0}"/>
+            </a:ext>
+          </a:extLst>
+        </p:cNvPr>
+        <p:cNvGrpSpPr/>
+        <p:nvPr/>
+      </p:nvGrpSpPr>
+      <p:grpSpPr>
+        <a:xfrm>
+          <a:off x="0" y="0"/>
+          <a:ext cx="0" cy="0"/>
+          <a:chOff x="0" y="0"/>
+          <a:chExt cx="0" cy="0"/>
+        </a:xfrm>
+      </p:grpSpPr>
+      <p:sp>
+        <p:nvSpPr>
+          <p:cNvPr id="18" name="Rounded Rectangle 17">
+            <a:extLst>
+              <a:ext uri="{FF2B5EF4-FFF2-40B4-BE49-F238E27FC236}">
+                <a16:creationId xmlns:a16="http://schemas.microsoft.com/office/drawing/2014/main" id="{A936CFF7-7DFF-2DBB-8E9B-4BC3FD952CE7}"/>
+              </a:ext>
+            </a:extLst>
+          </p:cNvPr>
+          <p:cNvSpPr/>
+          <p:nvPr/>
+        </p:nvSpPr>
+        <p:spPr>
+          <a:xfrm>
+            <a:off x="3550973" y="1468867"/>
+            <a:ext cx="5306700" cy="1403017"/>
+          </a:xfrm>
+          <a:prstGeom prst="roundRect">
+            <a:avLst/>
+          </a:prstGeom>
+          <a:solidFill>
+            <a:srgbClr val="F7F7F7"/>
+          </a:solidFill>
+          <a:ln w="57150">
+            <a:solidFill>
+              <a:schemeClr val="tx1">
+                <a:lumMod val="65000"/>
+                <a:lumOff val="35000"/>
+              </a:schemeClr>
+            </a:solidFill>
+          </a:ln>
+        </p:spPr>
+        <p:style>
+          <a:lnRef idx="2">
+            <a:schemeClr val="accent1">
+              <a:shade val="15000"/>
+            </a:schemeClr>
+          </a:lnRef>
+          <a:fillRef idx="1">
+            <a:schemeClr val="accent1"/>
+          </a:fillRef>
+          <a:effectRef idx="0">
+            <a:schemeClr val="accent1"/>
+          </a:effectRef>
+          <a:fontRef idx="minor">
+            <a:schemeClr val="lt1"/>
+          </a:fontRef>
+        </p:style>
+        <p:txBody>
+          <a:bodyPr rtlCol="0" anchor="ctr"/>
+          <a:lstStyle/>
+          <a:p>
+            <a:pPr algn="ctr"/>
+            <a:endParaRPr lang="en-US"/>
+          </a:p>
+        </p:txBody>
+      </p:sp>
+      <p:sp>
+        <p:nvSpPr>
+          <p:cNvPr id="4" name="AutoShape 2">
+            <a:extLst>
+              <a:ext uri="{FF2B5EF4-FFF2-40B4-BE49-F238E27FC236}">
+                <a16:creationId xmlns:a16="http://schemas.microsoft.com/office/drawing/2014/main" id="{6A848C76-61A3-4438-7DEF-EB214CD0618E}"/>
+              </a:ext>
+            </a:extLst>
+          </p:cNvPr>
+          <p:cNvSpPr>
+            <a:spLocks noChangeAspect="1" noChangeArrowheads="1"/>
+          </p:cNvSpPr>
+          <p:nvPr/>
+        </p:nvSpPr>
+        <p:spPr bwMode="auto">
+          <a:xfrm>
+            <a:off x="5943600" y="3276600"/>
+            <a:ext cx="304800" cy="304800"/>
+          </a:xfrm>
+          <a:prstGeom prst="rect">
+            <a:avLst/>
+          </a:prstGeom>
+          <a:noFill/>
+          <a:extLst>
+            <a:ext uri="{909E8E84-426E-40DD-AFC4-6F175D3DCCD1}">
+              <a14:hiddenFill xmlns:a14="http://schemas.microsoft.com/office/drawing/2010/main">
+                <a:solidFill>
+                  <a:srgbClr val="FFFFFF"/>
+                </a:solidFill>
+              </a14:hiddenFill>
+            </a:ext>
+          </a:extLst>
+        </p:spPr>
+        <p:txBody>
+          <a:bodyPr vert="horz" wrap="square" lIns="91440" tIns="45720" rIns="91440" bIns="45720" numCol="1" anchor="t" anchorCtr="0" compatLnSpc="1">
+            <a:prstTxWarp prst="textNoShape">
+              <a:avLst/>
+            </a:prstTxWarp>
+          </a:bodyPr>
+          <a:lstStyle/>
+          <a:p>
+            <a:endParaRPr lang="en-US"/>
+          </a:p>
+        </p:txBody>
+      </p:sp>
+      <p:pic>
+        <p:nvPicPr>
+          <p:cNvPr id="7" name="Picture 6">
+            <a:extLst>
+              <a:ext uri="{FF2B5EF4-FFF2-40B4-BE49-F238E27FC236}">
+                <a16:creationId xmlns:a16="http://schemas.microsoft.com/office/drawing/2014/main" id="{472E522E-4953-01AA-CBDF-674A0546F3BC}"/>
+              </a:ext>
+            </a:extLst>
+          </p:cNvPr>
+          <p:cNvPicPr>
+            <a:picLocks noChangeAspect="1"/>
+          </p:cNvPicPr>
+          <p:nvPr/>
+        </p:nvPicPr>
+        <p:blipFill>
+          <a:blip r:embed="rId2"/>
+          <a:stretch>
+            <a:fillRect/>
+          </a:stretch>
+        </p:blipFill>
+        <p:spPr>
+          <a:xfrm>
+            <a:off x="4896515" y="2094248"/>
+            <a:ext cx="786664" cy="594200"/>
+          </a:xfrm>
+          <a:prstGeom prst="rect">
+            <a:avLst/>
+          </a:prstGeom>
+        </p:spPr>
+      </p:pic>
+      <p:pic>
+        <p:nvPicPr>
+          <p:cNvPr id="8" name="Picture 7">
+            <a:extLst>
+              <a:ext uri="{FF2B5EF4-FFF2-40B4-BE49-F238E27FC236}">
+                <a16:creationId xmlns:a16="http://schemas.microsoft.com/office/drawing/2014/main" id="{E130C3F2-C615-9731-62F8-86790498FF9E}"/>
+              </a:ext>
+            </a:extLst>
+          </p:cNvPr>
+          <p:cNvPicPr>
+            <a:picLocks noChangeAspect="1"/>
+          </p:cNvPicPr>
+          <p:nvPr/>
+        </p:nvPicPr>
+        <p:blipFill>
+          <a:blip r:embed="rId3"/>
+          <a:stretch>
+            <a:fillRect/>
+          </a:stretch>
+        </p:blipFill>
+        <p:spPr>
+          <a:xfrm>
+            <a:off x="5416427" y="1600489"/>
+            <a:ext cx="1340849" cy="527808"/>
+          </a:xfrm>
+          <a:prstGeom prst="rect">
+            <a:avLst/>
+          </a:prstGeom>
+        </p:spPr>
+      </p:pic>
+      <p:pic>
+        <p:nvPicPr>
+          <p:cNvPr id="9" name="Picture 8">
+            <a:extLst>
+              <a:ext uri="{FF2B5EF4-FFF2-40B4-BE49-F238E27FC236}">
+                <a16:creationId xmlns:a16="http://schemas.microsoft.com/office/drawing/2014/main" id="{C0CF73C4-B63E-541B-6729-4102500818BE}"/>
+              </a:ext>
+            </a:extLst>
+          </p:cNvPr>
+          <p:cNvPicPr>
+            <a:picLocks noChangeAspect="1"/>
+          </p:cNvPicPr>
+          <p:nvPr/>
+        </p:nvPicPr>
+        <p:blipFill>
+          <a:blip r:embed="rId4"/>
+          <a:stretch>
+            <a:fillRect/>
+          </a:stretch>
+        </p:blipFill>
+        <p:spPr>
+          <a:xfrm>
+            <a:off x="3753995" y="2242577"/>
+            <a:ext cx="915219" cy="494346"/>
+          </a:xfrm>
+          <a:prstGeom prst="rect">
+            <a:avLst/>
+          </a:prstGeom>
+        </p:spPr>
+      </p:pic>
+      <p:sp>
+        <p:nvSpPr>
+          <p:cNvPr id="14" name="TextBox 13">
+            <a:extLst>
+              <a:ext uri="{FF2B5EF4-FFF2-40B4-BE49-F238E27FC236}">
+                <a16:creationId xmlns:a16="http://schemas.microsoft.com/office/drawing/2014/main" id="{80B0C967-FEAC-EA5B-4EF9-732CF32FC390}"/>
+              </a:ext>
+            </a:extLst>
+          </p:cNvPr>
+          <p:cNvSpPr txBox="1"/>
+          <p:nvPr/>
+        </p:nvSpPr>
+        <p:spPr>
+          <a:xfrm>
+            <a:off x="2896817" y="546194"/>
+            <a:ext cx="6245966" cy="830997"/>
+          </a:xfrm>
+          <a:prstGeom prst="rect">
+            <a:avLst/>
+          </a:prstGeom>
+          <a:noFill/>
+        </p:spPr>
+        <p:txBody>
+          <a:bodyPr wrap="square" rtlCol="0">
+            <a:spAutoFit/>
+          </a:bodyPr>
+          <a:lstStyle/>
+          <a:p>
+            <a:pPr algn="ctr"/>
+            <a:r>
+              <a:rPr lang="en-US" sz="4800" b="1" dirty="0">
+                <a:solidFill>
+                  <a:schemeClr val="bg1">
+                    <a:lumMod val="50000"/>
+                  </a:schemeClr>
+                </a:solidFill>
+              </a:rPr>
+              <a:t>News Streaming</a:t>
+            </a:r>
+          </a:p>
+        </p:txBody>
+      </p:sp>
+      <p:pic>
+        <p:nvPicPr>
+          <p:cNvPr id="5" name="Picture 4">
+            <a:extLst>
+              <a:ext uri="{FF2B5EF4-FFF2-40B4-BE49-F238E27FC236}">
+                <a16:creationId xmlns:a16="http://schemas.microsoft.com/office/drawing/2014/main" id="{973FEE42-EE06-4F8D-C8B5-D37D48E2CC54}"/>
+              </a:ext>
+            </a:extLst>
+          </p:cNvPr>
+          <p:cNvPicPr>
+            <a:picLocks noChangeAspect="1"/>
+          </p:cNvPicPr>
+          <p:nvPr/>
+        </p:nvPicPr>
+        <p:blipFill>
+          <a:blip r:embed="rId5"/>
+          <a:stretch>
+            <a:fillRect/>
+          </a:stretch>
+        </p:blipFill>
+        <p:spPr>
+          <a:xfrm>
+            <a:off x="3713075" y="1600489"/>
+            <a:ext cx="1274562" cy="550568"/>
+          </a:xfrm>
+          <a:prstGeom prst="rect">
+            <a:avLst/>
+          </a:prstGeom>
+        </p:spPr>
+      </p:pic>
+      <p:pic>
+        <p:nvPicPr>
+          <p:cNvPr id="13" name="Picture 12">
+            <a:extLst>
+              <a:ext uri="{FF2B5EF4-FFF2-40B4-BE49-F238E27FC236}">
+                <a16:creationId xmlns:a16="http://schemas.microsoft.com/office/drawing/2014/main" id="{4E2CDD1D-46A9-BD80-400E-C723852F70DC}"/>
+              </a:ext>
+            </a:extLst>
+          </p:cNvPr>
+          <p:cNvPicPr>
+            <a:picLocks noChangeAspect="1"/>
+          </p:cNvPicPr>
+          <p:nvPr/>
+        </p:nvPicPr>
+        <p:blipFill>
+          <a:blip r:embed="rId6"/>
+          <a:stretch>
+            <a:fillRect/>
+          </a:stretch>
+        </p:blipFill>
+        <p:spPr>
+          <a:xfrm>
+            <a:off x="5910480" y="2197115"/>
+            <a:ext cx="867782" cy="605951"/>
+          </a:xfrm>
+          <a:prstGeom prst="rect">
+            <a:avLst/>
+          </a:prstGeom>
+        </p:spPr>
+      </p:pic>
+      <p:pic>
+        <p:nvPicPr>
+          <p:cNvPr id="15" name="Picture 14">
+            <a:extLst>
+              <a:ext uri="{FF2B5EF4-FFF2-40B4-BE49-F238E27FC236}">
+                <a16:creationId xmlns:a16="http://schemas.microsoft.com/office/drawing/2014/main" id="{1B5C41E9-1113-A055-DAC4-AD59DA89F113}"/>
+              </a:ext>
+            </a:extLst>
+          </p:cNvPr>
+          <p:cNvPicPr>
+            <a:picLocks noChangeAspect="1"/>
+          </p:cNvPicPr>
+          <p:nvPr/>
+        </p:nvPicPr>
+        <p:blipFill>
+          <a:blip r:embed="rId7"/>
+          <a:stretch>
+            <a:fillRect/>
+          </a:stretch>
+        </p:blipFill>
+        <p:spPr>
+          <a:xfrm>
+            <a:off x="6873548" y="1638587"/>
+            <a:ext cx="1734889" cy="527808"/>
+          </a:xfrm>
+          <a:prstGeom prst="rect">
+            <a:avLst/>
+          </a:prstGeom>
+        </p:spPr>
+      </p:pic>
+      <p:pic>
+        <p:nvPicPr>
+          <p:cNvPr id="16" name="Picture 15">
+            <a:extLst>
+              <a:ext uri="{FF2B5EF4-FFF2-40B4-BE49-F238E27FC236}">
+                <a16:creationId xmlns:a16="http://schemas.microsoft.com/office/drawing/2014/main" id="{C1B02647-E5C7-DE30-E960-DC9EA9BCA348}"/>
+              </a:ext>
+            </a:extLst>
+          </p:cNvPr>
+          <p:cNvPicPr>
+            <a:picLocks noChangeAspect="1"/>
+          </p:cNvPicPr>
+          <p:nvPr/>
+        </p:nvPicPr>
+        <p:blipFill>
+          <a:blip r:embed="rId8"/>
+          <a:stretch>
+            <a:fillRect/>
+          </a:stretch>
+        </p:blipFill>
+        <p:spPr>
+          <a:xfrm>
+            <a:off x="7034767" y="2197116"/>
+            <a:ext cx="1412449" cy="585269"/>
+          </a:xfrm>
+          <a:prstGeom prst="rect">
+            <a:avLst/>
+          </a:prstGeom>
+        </p:spPr>
+      </p:pic>
+      <p:pic>
+        <p:nvPicPr>
+          <p:cNvPr id="17" name="Picture 16">
+            <a:extLst>
+              <a:ext uri="{FF2B5EF4-FFF2-40B4-BE49-F238E27FC236}">
+                <a16:creationId xmlns:a16="http://schemas.microsoft.com/office/drawing/2014/main" id="{4B32E06F-5EBB-8253-E2CF-06082076ED5E}"/>
+              </a:ext>
+            </a:extLst>
+          </p:cNvPr>
+          <p:cNvPicPr>
+            <a:picLocks noChangeAspect="1"/>
+          </p:cNvPicPr>
+          <p:nvPr/>
+        </p:nvPicPr>
+        <p:blipFill>
+          <a:blip r:embed="rId9"/>
+          <a:stretch>
+            <a:fillRect/>
+          </a:stretch>
+        </p:blipFill>
+        <p:spPr>
+          <a:xfrm>
+            <a:off x="3550972" y="2968610"/>
+            <a:ext cx="5306701" cy="3094733"/>
+          </a:xfrm>
+          <a:prstGeom prst="rect">
+            <a:avLst/>
+          </a:prstGeom>
+        </p:spPr>
+      </p:pic>
+    </p:spTree>
+    <p:extLst>
+      <p:ext uri="{BB962C8B-B14F-4D97-AF65-F5344CB8AC3E}">
+        <p14:creationId xmlns:p14="http://schemas.microsoft.com/office/powerpoint/2010/main" val="2329903108"/>
       </p:ext>
     </p:extLst>
   </p:cSld>
